--- a/СУБД/Презентация.pptx
+++ b/СУБД/Презентация.pptx
@@ -6,10 +6,10 @@
   </p:sldMasterIdLst>
   <p:sldIdLst>
     <p:sldId id="256" r:id="rId2"/>
-    <p:sldId id="257" r:id="rId3"/>
-    <p:sldId id="258" r:id="rId4"/>
-    <p:sldId id="259" r:id="rId5"/>
-    <p:sldId id="260" r:id="rId6"/>
+    <p:sldId id="258" r:id="rId3"/>
+    <p:sldId id="259" r:id="rId4"/>
+    <p:sldId id="260" r:id="rId5"/>
+    <p:sldId id="257" r:id="rId6"/>
   </p:sldIdLst>
   <p:sldSz cx="12192000" cy="6858000"/>
   <p:notesSz cx="6858000" cy="9144000"/>
@@ -2994,10 +2994,6 @@
               <a:rPr lang="ru-RU" dirty="0" smtClean="0"/>
               <a:t>реляционные СУБД</a:t>
             </a:r>
-            <a:r>
-              <a:rPr lang="ru-RU" dirty="0" smtClean="0"/>
-              <a:t/>
-            </a:r>
             <a:br>
               <a:rPr lang="ru-RU" dirty="0" smtClean="0"/>
             </a:br>
@@ -3248,13 +3244,18 @@
         </p:nvSpPr>
         <p:spPr/>
         <p:txBody>
-          <a:bodyPr/>
+          <a:bodyPr>
+            <a:normAutofit fontScale="90000"/>
+          </a:bodyPr>
           <a:lstStyle/>
           <a:p>
             <a:r>
               <a:rPr lang="ru-RU" dirty="0" smtClean="0"/>
-              <a:t>Хранимые процедуры</a:t>
-            </a:r>
+              <a:t>Реляционные системы управления базами данных</a:t>
+            </a:r>
+            <a:br>
+              <a:rPr lang="ru-RU" dirty="0" smtClean="0"/>
+            </a:br>
             <a:endParaRPr lang="ru-RU" dirty="0"/>
           </a:p>
         </p:txBody>
@@ -3271,63 +3272,40 @@
         </p:nvSpPr>
         <p:spPr/>
         <p:txBody>
-          <a:bodyPr>
-            <a:normAutofit fontScale="85000" lnSpcReduction="20000"/>
-          </a:bodyPr>
+          <a:bodyPr/>
           <a:lstStyle/>
           <a:p>
             <a:r>
               <a:rPr lang="ru-RU" dirty="0" smtClean="0"/>
-              <a:t>Хранимая процедура — объект базы данных, представляющий собой набор </a:t>
+              <a:t>Реляционные </a:t>
+            </a:r>
+            <a:r>
+              <a:rPr lang="ru-RU" dirty="0"/>
+              <a:t>системы реализуют реляционную модель работы с данными, которая определяет всю хранимую информацию как набор связанных записей и атрибутов в таблице.</a:t>
+            </a:r>
+          </a:p>
+          <a:p>
+            <a:r>
+              <a:rPr lang="ru-RU" dirty="0"/>
+              <a:t>СУБД такого типа используют структуры (таблицы) для хранения и работы с данными. Каждый столбец (атрибут) содержит свой тип информации. Каждая запись в базе данных, обладающая уникальным ключом, передаётся в строку таблицы, и её атрибуты отображаются в столбцах таблицы.</a:t>
+            </a:r>
+          </a:p>
+          <a:p>
+            <a:r>
+              <a:rPr lang="ru-RU" dirty="0" smtClean="0"/>
+              <a:t>Например, </a:t>
             </a:r>
             <a:r>
               <a:rPr lang="en-US" dirty="0" smtClean="0"/>
-              <a:t>SQL-</a:t>
+              <a:t>SQLite, MySQL </a:t>
             </a:r>
             <a:r>
               <a:rPr lang="ru-RU" dirty="0" smtClean="0"/>
-              <a:t>инструкций, который компилируется один раз и хранится на сервере. </a:t>
-            </a:r>
-          </a:p>
-          <a:p>
-            <a:r>
-              <a:rPr lang="ru-RU" dirty="0" smtClean="0"/>
-              <a:t>Хранимые процедуры очень похожи на обыкновенные процедуры языков высокого уровня, у них могут быть входные и выходные параметры и локальные переменные, в них могут производиться числовые вычисления и операции над символьными данными, результаты которых могут присваиваться переменным и параметрам. </a:t>
-            </a:r>
-          </a:p>
-          <a:p>
-            <a:r>
-              <a:rPr lang="ru-RU" dirty="0" smtClean="0"/>
-              <a:t>Кроме того, в хранимых процедурах возможны циклы и ветвления, то есть в них могут использоваться инструкции управления процессом исполнения.</a:t>
-            </a:r>
-          </a:p>
-          <a:p>
-            <a:endParaRPr lang="ru-RU" dirty="0" smtClean="0"/>
-          </a:p>
-          <a:p>
-            <a:pPr marL="0" indent="0">
-              <a:buNone/>
-            </a:pPr>
-            <a:endParaRPr lang="en-US" dirty="0" smtClean="0"/>
-          </a:p>
-          <a:p>
+              <a:t>и </a:t>
+            </a:r>
             <a:r>
               <a:rPr lang="en-US" dirty="0" smtClean="0"/>
-              <a:t>CALL </a:t>
-            </a:r>
-            <a:r>
-              <a:rPr lang="ru-RU" dirty="0" smtClean="0"/>
-              <a:t>процедура(…)</a:t>
-            </a:r>
-          </a:p>
-          <a:p>
-            <a:r>
-              <a:rPr lang="en-US" dirty="0" smtClean="0"/>
-              <a:t>EXECUTE </a:t>
-            </a:r>
-            <a:r>
-              <a:rPr lang="ru-RU" dirty="0" smtClean="0"/>
-              <a:t>процедура(…)</a:t>
+              <a:t>PostgreSQL</a:t>
             </a:r>
             <a:endParaRPr lang="ru-RU" dirty="0"/>
           </a:p>
@@ -3336,7 +3314,7 @@
     </p:spTree>
     <p:extLst>
       <p:ext uri="{BB962C8B-B14F-4D97-AF65-F5344CB8AC3E}">
-        <p14:creationId xmlns:p14="http://schemas.microsoft.com/office/powerpoint/2010/main" val="3971510560"/>
+        <p14:creationId xmlns:p14="http://schemas.microsoft.com/office/powerpoint/2010/main" val="2188668184"/>
       </p:ext>
     </p:extLst>
   </p:cSld>
@@ -3375,69 +3353,81 @@
         </p:nvSpPr>
         <p:spPr/>
         <p:txBody>
-          <a:bodyPr>
-            <a:normAutofit fontScale="90000"/>
-          </a:bodyPr>
+          <a:bodyPr/>
           <a:lstStyle/>
           <a:p>
             <a:r>
               <a:rPr lang="ru-RU" dirty="0" smtClean="0"/>
-              <a:t>Реляционные системы управления базами данных</a:t>
-            </a:r>
-            <a:br>
+              <a:t>Функции СУБД</a:t>
+            </a:r>
+            <a:endParaRPr lang="ru-RU" dirty="0"/>
+          </a:p>
+        </p:txBody>
+      </p:sp>
+      <p:sp>
+        <p:nvSpPr>
+          <p:cNvPr id="3" name="Объект 2"/>
+          <p:cNvSpPr>
+            <a:spLocks noGrp="1"/>
+          </p:cNvSpPr>
+          <p:nvPr>
+            <p:ph idx="1"/>
+          </p:nvPr>
+        </p:nvSpPr>
+        <p:spPr/>
+        <p:txBody>
+          <a:bodyPr/>
+          <a:lstStyle/>
+          <a:p>
+            <a:pPr marL="0" indent="0">
+              <a:buNone/>
+            </a:pPr>
+            <a:r>
               <a:rPr lang="ru-RU" dirty="0" smtClean="0"/>
-            </a:br>
-            <a:endParaRPr lang="ru-RU" dirty="0"/>
-          </a:p>
-        </p:txBody>
-      </p:sp>
-      <p:sp>
-        <p:nvSpPr>
-          <p:cNvPr id="3" name="Объект 2"/>
-          <p:cNvSpPr>
-            <a:spLocks noGrp="1"/>
-          </p:cNvSpPr>
-          <p:nvPr>
-            <p:ph idx="1"/>
-          </p:nvPr>
-        </p:nvSpPr>
-        <p:spPr/>
-        <p:txBody>
-          <a:bodyPr/>
-          <a:lstStyle/>
-          <a:p>
-            <a:r>
-              <a:rPr lang="ru-RU" dirty="0" smtClean="0"/>
-              <a:t>Реляционные </a:t>
+              <a:t>1</a:t>
             </a:r>
             <a:r>
               <a:rPr lang="ru-RU" dirty="0"/>
-              <a:t>системы реализуют реляционную модель работы с данными, которая определяет всю хранимую информацию как набор связанных записей и атрибутов в таблице.</a:t>
-            </a:r>
-          </a:p>
-          <a:p>
+              <a:t>. Непосредственное управление данными во внешней памяти;</a:t>
+            </a:r>
+          </a:p>
+          <a:p>
+            <a:pPr marL="0" indent="0">
+              <a:buNone/>
+            </a:pPr>
             <a:r>
               <a:rPr lang="ru-RU" dirty="0"/>
-              <a:t>СУБД такого типа используют структуры (таблицы) для хранения и работы с данными. Каждый столбец (атрибут) содержит свой тип информации. Каждая запись в базе данных, обладающая уникальным ключом, передаётся в строку таблицы, и её атрибуты отображаются в столбцах таблицы.</a:t>
-            </a:r>
-          </a:p>
-          <a:p>
-            <a:r>
-              <a:rPr lang="ru-RU" dirty="0" smtClean="0"/>
-              <a:t>Например, </a:t>
-            </a:r>
-            <a:r>
-              <a:rPr lang="en-US" dirty="0" smtClean="0"/>
-              <a:t>SQLite, MySQL </a:t>
-            </a:r>
-            <a:r>
-              <a:rPr lang="ru-RU" dirty="0" smtClean="0"/>
-              <a:t>и </a:t>
-            </a:r>
-            <a:r>
-              <a:rPr lang="en-US" dirty="0" smtClean="0"/>
-              <a:t>PostgreSQL</a:t>
-            </a:r>
+              <a:t>2. Управление буферами оперативной памяти;</a:t>
+            </a:r>
+          </a:p>
+          <a:p>
+            <a:pPr marL="0" indent="0">
+              <a:buNone/>
+            </a:pPr>
+            <a:r>
+              <a:rPr lang="ru-RU" dirty="0"/>
+              <a:t>3. Управление транзакциями;</a:t>
+            </a:r>
+          </a:p>
+          <a:p>
+            <a:pPr marL="0" indent="0">
+              <a:buNone/>
+            </a:pPr>
+            <a:r>
+              <a:rPr lang="ru-RU" dirty="0"/>
+              <a:t>4. Журнализация и восстановление БД после сбоев;</a:t>
+            </a:r>
+          </a:p>
+          <a:p>
+            <a:pPr marL="0" indent="0">
+              <a:buNone/>
+            </a:pPr>
+            <a:r>
+              <a:rPr lang="ru-RU" dirty="0"/>
+              <a:t>5. Поддержание языков БД.</a:t>
+            </a:r>
+          </a:p>
+          <a:p>
             <a:endParaRPr lang="ru-RU" dirty="0"/>
           </a:p>
         </p:txBody>
@@ -3445,7 +3435,7 @@
     </p:spTree>
     <p:extLst>
       <p:ext uri="{BB962C8B-B14F-4D97-AF65-F5344CB8AC3E}">
-        <p14:creationId xmlns:p14="http://schemas.microsoft.com/office/powerpoint/2010/main" val="2188668184"/>
+        <p14:creationId xmlns:p14="http://schemas.microsoft.com/office/powerpoint/2010/main" val="1986354254"/>
       </p:ext>
     </p:extLst>
   </p:cSld>
@@ -3484,13 +3474,22 @@
         </p:nvSpPr>
         <p:spPr/>
         <p:txBody>
-          <a:bodyPr/>
+          <a:bodyPr>
+            <a:normAutofit fontScale="90000"/>
+          </a:bodyPr>
           <a:lstStyle/>
           <a:p>
             <a:r>
               <a:rPr lang="ru-RU" dirty="0" smtClean="0"/>
-              <a:t>Функции СУБД</a:t>
-            </a:r>
+              <a:t>Трехуровневая </a:t>
+            </a:r>
+            <a:r>
+              <a:rPr lang="ru-RU" dirty="0"/>
+              <a:t>архитектура современных бд</a:t>
+            </a:r>
+            <a:br>
+              <a:rPr lang="ru-RU" dirty="0"/>
+            </a:br>
             <a:endParaRPr lang="ru-RU" dirty="0"/>
           </a:p>
         </p:txBody>
@@ -3507,56 +3506,116 @@
         </p:nvSpPr>
         <p:spPr/>
         <p:txBody>
-          <a:bodyPr/>
-          <a:lstStyle/>
+          <a:bodyPr>
+            <a:normAutofit fontScale="92500" lnSpcReduction="10000"/>
+          </a:bodyPr>
+          <a:lstStyle/>
+          <a:p>
+            <a:r>
+              <a:rPr lang="en-US" dirty="0" smtClean="0"/>
+              <a:t>External level (</a:t>
+            </a:r>
+            <a:r>
+              <a:rPr lang="ru-RU" dirty="0" smtClean="0"/>
+              <a:t>пользовательский интерфейс)</a:t>
+            </a:r>
+            <a:r>
+              <a:rPr lang="ru-RU" dirty="0"/>
+              <a:t> </a:t>
+            </a:r>
+            <a:endParaRPr lang="ru-RU" dirty="0" smtClean="0"/>
+          </a:p>
           <a:p>
             <a:pPr marL="0" indent="0">
               <a:buNone/>
             </a:pPr>
             <a:r>
               <a:rPr lang="ru-RU" dirty="0" smtClean="0"/>
-              <a:t>1</a:t>
+              <a:t>	Данный </a:t>
             </a:r>
             <a:r>
               <a:rPr lang="ru-RU" dirty="0"/>
-              <a:t>. Непосредственное управление данными во внешней памяти;</a:t>
-            </a:r>
-          </a:p>
-          <a:p>
-            <a:pPr marL="0" indent="0">
-              <a:buNone/>
-            </a:pPr>
+              <a:t>уровень определяет </a:t>
+            </a:r>
+            <a:r>
+              <a:rPr lang="ru-RU" dirty="0" smtClean="0"/>
+              <a:t>Интерфейс </a:t>
+            </a:r>
             <a:r>
               <a:rPr lang="ru-RU" dirty="0"/>
-              <a:t>2. Управление буферами оперативной памяти;</a:t>
-            </a:r>
-          </a:p>
-          <a:p>
-            <a:pPr marL="0" indent="0">
-              <a:buNone/>
-            </a:pPr>
+              <a:t>и </a:t>
+            </a:r>
+            <a:r>
+              <a:rPr lang="ru-RU" dirty="0" smtClean="0"/>
+              <a:t>Права </a:t>
+            </a:r>
             <a:r>
               <a:rPr lang="ru-RU" dirty="0"/>
-              <a:t>3. Управление транзакциями;</a:t>
-            </a:r>
-          </a:p>
-          <a:p>
-            <a:pPr marL="0" indent="0">
-              <a:buNone/>
-            </a:pPr>
+              <a:t>доступа пользователей к структуре и данным БД.</a:t>
+            </a:r>
+            <a:endParaRPr lang="ru-RU" dirty="0" smtClean="0"/>
+          </a:p>
+          <a:p>
+            <a:endParaRPr lang="ru-RU" dirty="0" smtClean="0"/>
+          </a:p>
+          <a:p>
+            <a:r>
+              <a:rPr lang="en-US" dirty="0" smtClean="0"/>
+              <a:t>Conceptual level (</a:t>
+            </a:r>
+            <a:r>
+              <a:rPr lang="ru-RU" dirty="0" smtClean="0"/>
+              <a:t>концептуальный </a:t>
+            </a:r>
+            <a:r>
+              <a:rPr lang="ru-RU" dirty="0" smtClean="0"/>
+              <a:t>уровень). Уровень </a:t>
+            </a:r>
             <a:r>
               <a:rPr lang="ru-RU" dirty="0"/>
-              <a:t>4. Журнализация и восстановление БД после сбоев;</a:t>
-            </a:r>
-          </a:p>
-          <a:p>
-            <a:pPr marL="0" indent="0">
-              <a:buNone/>
-            </a:pPr>
+              <a:t>обеспечивает поддержку операций по проектированию БД (описание таблиц и связей, создание запросов, форм, отчетов, процедур</a:t>
+            </a:r>
+            <a:r>
+              <a:rPr lang="ru-RU" dirty="0" smtClean="0"/>
+              <a:t>).</a:t>
+            </a:r>
+          </a:p>
+          <a:p>
+            <a:r>
+              <a:rPr lang="en-US" dirty="0" smtClean="0"/>
+              <a:t>Internal </a:t>
+            </a:r>
+            <a:r>
+              <a:rPr lang="en-US" dirty="0"/>
+              <a:t>level (</a:t>
+            </a:r>
             <a:r>
               <a:rPr lang="ru-RU" dirty="0"/>
-              <a:t>5. Поддержание языков БД.</a:t>
-            </a:r>
+              <a:t>внутренний уровень</a:t>
+            </a:r>
+            <a:r>
+              <a:rPr lang="ru-RU" dirty="0" smtClean="0"/>
+              <a:t>)</a:t>
+            </a:r>
+            <a:br>
+              <a:rPr lang="ru-RU" dirty="0" smtClean="0"/>
+            </a:br>
+            <a:r>
+              <a:rPr lang="ru-RU" dirty="0"/>
+              <a:t>Данный уровень обеспечивает - </a:t>
+            </a:r>
+            <a:r>
+              <a:rPr lang="en-US" dirty="0"/>
+              <a:t>physical storage structure (</a:t>
+            </a:r>
+            <a:r>
+              <a:rPr lang="ru-RU" dirty="0"/>
+              <a:t>размещение данных на физических носителях). </a:t>
+            </a:r>
+            <a:br>
+              <a:rPr lang="ru-RU" dirty="0"/>
+            </a:br>
+            <a:endParaRPr lang="ru-RU" dirty="0" smtClean="0"/>
           </a:p>
           <a:p>
             <a:endParaRPr lang="ru-RU" dirty="0"/>
@@ -3566,7 +3625,7 @@
     </p:spTree>
     <p:extLst>
       <p:ext uri="{BB962C8B-B14F-4D97-AF65-F5344CB8AC3E}">
-        <p14:creationId xmlns:p14="http://schemas.microsoft.com/office/powerpoint/2010/main" val="1986354254"/>
+        <p14:creationId xmlns:p14="http://schemas.microsoft.com/office/powerpoint/2010/main" val="3369837831"/>
       </p:ext>
     </p:extLst>
   </p:cSld>
@@ -3605,162 +3664,87 @@
         </p:nvSpPr>
         <p:spPr/>
         <p:txBody>
+          <a:bodyPr/>
+          <a:lstStyle/>
+          <a:p>
+            <a:r>
+              <a:rPr lang="ru-RU" dirty="0" smtClean="0"/>
+              <a:t>Хранимые процедуры</a:t>
+            </a:r>
+            <a:endParaRPr lang="ru-RU" dirty="0"/>
+          </a:p>
+        </p:txBody>
+      </p:sp>
+      <p:sp>
+        <p:nvSpPr>
+          <p:cNvPr id="3" name="Объект 2"/>
+          <p:cNvSpPr>
+            <a:spLocks noGrp="1"/>
+          </p:cNvSpPr>
+          <p:nvPr>
+            <p:ph idx="1"/>
+          </p:nvPr>
+        </p:nvSpPr>
+        <p:spPr/>
+        <p:txBody>
           <a:bodyPr>
-            <a:normAutofit fontScale="90000"/>
+            <a:normAutofit fontScale="85000" lnSpcReduction="20000"/>
           </a:bodyPr>
           <a:lstStyle/>
           <a:p>
             <a:r>
               <a:rPr lang="ru-RU" dirty="0" smtClean="0"/>
-              <a:t>Трехуровневая </a:t>
-            </a:r>
-            <a:r>
-              <a:rPr lang="ru-RU" dirty="0"/>
-              <a:t>архитектура современных бд</a:t>
-            </a:r>
-            <a:br>
-              <a:rPr lang="ru-RU" dirty="0"/>
-            </a:br>
-            <a:endParaRPr lang="ru-RU" dirty="0"/>
-          </a:p>
-        </p:txBody>
-      </p:sp>
-      <p:sp>
-        <p:nvSpPr>
-          <p:cNvPr id="3" name="Объект 2"/>
-          <p:cNvSpPr>
-            <a:spLocks noGrp="1"/>
-          </p:cNvSpPr>
-          <p:nvPr>
-            <p:ph idx="1"/>
-          </p:nvPr>
-        </p:nvSpPr>
-        <p:spPr/>
-        <p:txBody>
-          <a:bodyPr>
-            <a:normAutofit fontScale="92500" lnSpcReduction="20000"/>
-          </a:bodyPr>
-          <a:lstStyle/>
-          <a:p>
+              <a:t>Хранимая процедура — объект базы данных, представляющий собой набор </a:t>
+            </a:r>
             <a:r>
               <a:rPr lang="en-US" dirty="0" smtClean="0"/>
-              <a:t>External level (</a:t>
+              <a:t>SQL-</a:t>
             </a:r>
             <a:r>
               <a:rPr lang="ru-RU" dirty="0" smtClean="0"/>
-              <a:t>пользовательский интерфейс)</a:t>
-            </a:r>
-            <a:r>
-              <a:rPr lang="ru-RU" dirty="0"/>
-              <a:t> </a:t>
-            </a:r>
+              <a:t>инструкций, который компилируется один раз и хранится на сервере. </a:t>
+            </a:r>
+          </a:p>
+          <a:p>
+            <a:r>
+              <a:rPr lang="ru-RU" dirty="0" smtClean="0"/>
+              <a:t>Хранимые процедуры очень похожи на обыкновенные процедуры языков высокого уровня, у них могут быть входные и выходные параметры и локальные переменные, в них могут производиться числовые вычисления и операции над символьными данными, результаты которых могут присваиваться переменным и параметрам. </a:t>
+            </a:r>
+          </a:p>
+          <a:p>
+            <a:r>
+              <a:rPr lang="ru-RU" dirty="0" smtClean="0"/>
+              <a:t>Кроме того, в хранимых процедурах возможны циклы и ветвления, то есть в них могут использоваться инструкции управления процессом исполнения.</a:t>
+            </a:r>
+          </a:p>
+          <a:p>
             <a:endParaRPr lang="ru-RU" dirty="0" smtClean="0"/>
           </a:p>
           <a:p>
             <a:pPr marL="0" indent="0">
               <a:buNone/>
             </a:pPr>
+            <a:endParaRPr lang="en-US" dirty="0" smtClean="0"/>
+          </a:p>
+          <a:p>
+            <a:r>
+              <a:rPr lang="en-US" dirty="0" smtClean="0"/>
+              <a:t>CALL </a:t>
+            </a:r>
             <a:r>
               <a:rPr lang="ru-RU" dirty="0" smtClean="0"/>
-              <a:t>	Данный </a:t>
-            </a:r>
-            <a:r>
-              <a:rPr lang="ru-RU" dirty="0"/>
-              <a:t>уровень определяет </a:t>
+              <a:t>процедура(…)</a:t>
+            </a:r>
+          </a:p>
+          <a:p>
+            <a:r>
+              <a:rPr lang="en-US" dirty="0" smtClean="0"/>
+              <a:t>EXECUTE </a:t>
             </a:r>
             <a:r>
               <a:rPr lang="ru-RU" dirty="0" smtClean="0"/>
-              <a:t>Интерфейс </a:t>
-            </a:r>
-            <a:r>
-              <a:rPr lang="ru-RU" dirty="0"/>
-              <a:t>и </a:t>
-            </a:r>
-            <a:r>
-              <a:rPr lang="ru-RU" dirty="0" smtClean="0"/>
-              <a:t>Права </a:t>
-            </a:r>
-            <a:r>
-              <a:rPr lang="ru-RU" dirty="0"/>
-              <a:t>доступа пользователей к структуре и данным БД.</a:t>
-            </a:r>
-            <a:endParaRPr lang="ru-RU" dirty="0" smtClean="0"/>
-          </a:p>
-          <a:p>
-            <a:endParaRPr lang="ru-RU" dirty="0" smtClean="0"/>
-          </a:p>
-          <a:p>
-            <a:r>
-              <a:rPr lang="en-US" dirty="0" smtClean="0"/>
-              <a:t>Conceptual level (</a:t>
-            </a:r>
-            <a:r>
-              <a:rPr lang="ru-RU" dirty="0" smtClean="0"/>
-              <a:t>концептуальный уровень)</a:t>
-            </a:r>
-          </a:p>
-          <a:p>
-            <a:pPr marL="0" indent="0">
-              <a:buNone/>
-            </a:pPr>
-            <a:r>
-              <a:rPr lang="ru-RU" dirty="0" smtClean="0"/>
-              <a:t>	Уровень </a:t>
-            </a:r>
-            <a:r>
-              <a:rPr lang="ru-RU" dirty="0"/>
-              <a:t>обеспечивает поддержку операций по проектированию БД (описание таблиц и связей, создание запросов, форм, отчетов, процедур</a:t>
-            </a:r>
-            <a:r>
-              <a:rPr lang="ru-RU" dirty="0" smtClean="0"/>
-              <a:t>).</a:t>
-            </a:r>
-          </a:p>
-          <a:p>
-            <a:r>
-              <a:rPr lang="ru-RU" dirty="0" smtClean="0"/>
-              <a:t/>
-            </a:r>
-            <a:br>
-              <a:rPr lang="ru-RU" dirty="0" smtClean="0"/>
-            </a:br>
-            <a:r>
-              <a:rPr lang="en-US" dirty="0" smtClean="0"/>
-              <a:t>Internal </a:t>
-            </a:r>
-            <a:r>
-              <a:rPr lang="en-US" dirty="0"/>
-              <a:t>level (</a:t>
-            </a:r>
-            <a:r>
-              <a:rPr lang="ru-RU" dirty="0"/>
-              <a:t>внутренний уровень</a:t>
-            </a:r>
-            <a:r>
-              <a:rPr lang="ru-RU" dirty="0" smtClean="0"/>
-              <a:t>)</a:t>
-            </a:r>
-            <a:br>
-              <a:rPr lang="ru-RU" dirty="0" smtClean="0"/>
-            </a:br>
-            <a:r>
-              <a:rPr lang="ru-RU" dirty="0"/>
-              <a:t>Данный уровень обеспечивает - </a:t>
-            </a:r>
-            <a:r>
-              <a:rPr lang="en-US" dirty="0"/>
-              <a:t>physical storage structure (</a:t>
-            </a:r>
-            <a:r>
-              <a:rPr lang="ru-RU" dirty="0"/>
-              <a:t>размещение данных на физических носителях). </a:t>
-            </a:r>
-            <a:br>
-              <a:rPr lang="ru-RU" dirty="0"/>
-            </a:br>
-            <a:endParaRPr lang="ru-RU" dirty="0" smtClean="0"/>
-          </a:p>
-          <a:p>
+              <a:t>процедура(…)</a:t>
+            </a:r>
             <a:endParaRPr lang="ru-RU" dirty="0"/>
           </a:p>
         </p:txBody>
@@ -3768,7 +3752,7 @@
     </p:spTree>
     <p:extLst>
       <p:ext uri="{BB962C8B-B14F-4D97-AF65-F5344CB8AC3E}">
-        <p14:creationId xmlns:p14="http://schemas.microsoft.com/office/powerpoint/2010/main" val="3369837831"/>
+        <p14:creationId xmlns:p14="http://schemas.microsoft.com/office/powerpoint/2010/main" val="3971510560"/>
       </p:ext>
     </p:extLst>
   </p:cSld>
